--- a/lessons/10/lesson_10_xss.pptx
+++ b/lessons/10/lesson_10_xss.pptx
@@ -225,7 +225,7 @@
           <a:p>
             <a:fld id="{9B5B52BA-3295-0343-9E28-A260A811DD10}" type="datetimeFigureOut">
               <a:rPr lang="en-US" smtClean="0"/>
-              <a:t>16-Apr-18</a:t>
+              <a:t>4/24/18</a:t>
             </a:fld>
             <a:endParaRPr lang="en-US"/>
           </a:p>
@@ -624,7 +624,7 @@
           <a:p>
             <a:fld id="{04F1D4A2-813C-F741-B481-C92B3A596030}" type="datetimeFigureOut">
               <a:rPr lang="en-US" smtClean="0"/>
-              <a:t>16-Apr-18</a:t>
+              <a:t>4/24/18</a:t>
             </a:fld>
             <a:endParaRPr lang="en-US"/>
           </a:p>
@@ -794,7 +794,7 @@
           <a:p>
             <a:fld id="{04F1D4A2-813C-F741-B481-C92B3A596030}" type="datetimeFigureOut">
               <a:rPr lang="en-US" smtClean="0"/>
-              <a:t>16-Apr-18</a:t>
+              <a:t>4/24/18</a:t>
             </a:fld>
             <a:endParaRPr lang="en-US"/>
           </a:p>
@@ -974,7 +974,7 @@
           <a:p>
             <a:fld id="{04F1D4A2-813C-F741-B481-C92B3A596030}" type="datetimeFigureOut">
               <a:rPr lang="en-US" smtClean="0"/>
-              <a:t>16-Apr-18</a:t>
+              <a:t>4/24/18</a:t>
             </a:fld>
             <a:endParaRPr lang="en-US"/>
           </a:p>
@@ -1155,7 +1155,7 @@
           <a:p>
             <a:fld id="{04F1D4A2-813C-F741-B481-C92B3A596030}" type="datetimeFigureOut">
               <a:rPr lang="en-US" smtClean="0"/>
-              <a:t>16-Apr-18</a:t>
+              <a:t>4/24/18</a:t>
             </a:fld>
             <a:endParaRPr lang="en-US"/>
           </a:p>
@@ -1401,7 +1401,7 @@
           <a:p>
             <a:fld id="{04F1D4A2-813C-F741-B481-C92B3A596030}" type="datetimeFigureOut">
               <a:rPr lang="en-US" smtClean="0"/>
-              <a:t>16-Apr-18</a:t>
+              <a:t>4/24/18</a:t>
             </a:fld>
             <a:endParaRPr lang="en-US"/>
           </a:p>
@@ -1633,7 +1633,7 @@
           <a:p>
             <a:fld id="{04F1D4A2-813C-F741-B481-C92B3A596030}" type="datetimeFigureOut">
               <a:rPr lang="en-US" smtClean="0"/>
-              <a:t>16-Apr-18</a:t>
+              <a:t>4/24/18</a:t>
             </a:fld>
             <a:endParaRPr lang="en-US"/>
           </a:p>
@@ -2000,7 +2000,7 @@
           <a:p>
             <a:fld id="{04F1D4A2-813C-F741-B481-C92B3A596030}" type="datetimeFigureOut">
               <a:rPr lang="en-US" smtClean="0"/>
-              <a:t>16-Apr-18</a:t>
+              <a:t>4/24/18</a:t>
             </a:fld>
             <a:endParaRPr lang="en-US"/>
           </a:p>
@@ -2118,7 +2118,7 @@
           <a:p>
             <a:fld id="{04F1D4A2-813C-F741-B481-C92B3A596030}" type="datetimeFigureOut">
               <a:rPr lang="en-US" smtClean="0"/>
-              <a:t>16-Apr-18</a:t>
+              <a:t>4/24/18</a:t>
             </a:fld>
             <a:endParaRPr lang="en-US"/>
           </a:p>
@@ -2213,7 +2213,7 @@
           <a:p>
             <a:fld id="{04F1D4A2-813C-F741-B481-C92B3A596030}" type="datetimeFigureOut">
               <a:rPr lang="en-US" smtClean="0"/>
-              <a:t>16-Apr-18</a:t>
+              <a:t>4/24/18</a:t>
             </a:fld>
             <a:endParaRPr lang="en-US"/>
           </a:p>
@@ -2490,7 +2490,7 @@
           <a:p>
             <a:fld id="{04F1D4A2-813C-F741-B481-C92B3A596030}" type="datetimeFigureOut">
               <a:rPr lang="en-US" smtClean="0"/>
-              <a:t>16-Apr-18</a:t>
+              <a:t>4/24/18</a:t>
             </a:fld>
             <a:endParaRPr lang="en-US"/>
           </a:p>
@@ -2743,7 +2743,7 @@
           <a:p>
             <a:fld id="{04F1D4A2-813C-F741-B481-C92B3A596030}" type="datetimeFigureOut">
               <a:rPr lang="en-US" smtClean="0"/>
-              <a:t>16-Apr-18</a:t>
+              <a:t>4/24/18</a:t>
             </a:fld>
             <a:endParaRPr lang="en-US"/>
           </a:p>
@@ -2956,7 +2956,7 @@
           <a:p>
             <a:fld id="{04F1D4A2-813C-F741-B481-C92B3A596030}" type="datetimeFigureOut">
               <a:rPr lang="en-US" smtClean="0"/>
-              <a:t>16-Apr-18</a:t>
+              <a:t>4/24/18</a:t>
             </a:fld>
             <a:endParaRPr lang="en-US"/>
           </a:p>
@@ -3547,6 +3547,13 @@
   <p:clrMapOvr>
     <a:masterClrMapping/>
   </p:clrMapOvr>
+  <p:timing>
+    <p:tnLst>
+      <p:par>
+        <p:cTn id="1" dur="indefinite" restart="never" nodeType="tmRoot"/>
+      </p:par>
+    </p:tnLst>
+  </p:timing>
 </p:sld>
 </file>
 
@@ -3779,6 +3786,13 @@
   <p:clrMapOvr>
     <a:masterClrMapping/>
   </p:clrMapOvr>
+  <p:timing>
+    <p:tnLst>
+      <p:par>
+        <p:cTn id="1" dur="indefinite" restart="never" nodeType="tmRoot"/>
+      </p:par>
+    </p:tnLst>
+  </p:timing>
 </p:sld>
 </file>
 
@@ -4067,6 +4081,13 @@
   <p:clrMapOvr>
     <a:masterClrMapping/>
   </p:clrMapOvr>
+  <p:timing>
+    <p:tnLst>
+      <p:par>
+        <p:cTn id="1" dur="indefinite" restart="never" nodeType="tmRoot"/>
+      </p:par>
+    </p:tnLst>
+  </p:timing>
 </p:sld>
 </file>
 
@@ -4341,13 +4362,10 @@
               <a:t>div</a:t>
             </a:r>
             <a:r>
-              <a:rPr lang="mr-IN" dirty="0" smtClean="0"/>
+              <a:rPr lang="mr-IN" smtClean="0"/>
               <a:t>&gt;</a:t>
             </a:r>
-            <a:r>
-              <a:rPr lang="en-US" dirty="0" smtClean="0"/>
-              <a:t>p</a:t>
-            </a:r>
+            <a:endParaRPr lang="en-US" dirty="0" smtClean="0"/>
           </a:p>
           <a:p>
             <a:r>
@@ -4421,6 +4439,13 @@
   <p:clrMapOvr>
     <a:masterClrMapping/>
   </p:clrMapOvr>
+  <p:timing>
+    <p:tnLst>
+      <p:par>
+        <p:cTn id="1" dur="indefinite" restart="never" nodeType="tmRoot"/>
+      </p:par>
+    </p:tnLst>
+  </p:timing>
 </p:sld>
 </file>
 
@@ -4493,6 +4518,13 @@
   <p:clrMapOvr>
     <a:masterClrMapping/>
   </p:clrMapOvr>
+  <p:timing>
+    <p:tnLst>
+      <p:par>
+        <p:cTn id="1" dur="indefinite" restart="never" nodeType="tmRoot"/>
+      </p:par>
+    </p:tnLst>
+  </p:timing>
 </p:sld>
 </file>
 
@@ -4660,6 +4692,13 @@
   <p:clrMapOvr>
     <a:masterClrMapping/>
   </p:clrMapOvr>
+  <p:timing>
+    <p:tnLst>
+      <p:par>
+        <p:cTn id="1" dur="indefinite" restart="never" nodeType="tmRoot"/>
+      </p:par>
+    </p:tnLst>
+  </p:timing>
 </p:sld>
 </file>
 
@@ -4974,11 +5013,7 @@
           <a:p>
             <a:r>
               <a:rPr lang="en-US" dirty="0" smtClean="0"/>
-              <a:t>Understand how XSS attacks can be carried out</a:t>
-            </a:r>
-            <a:r>
-              <a:rPr lang="en-US" dirty="0" smtClean="0"/>
-              <a:t> </a:t>
+              <a:t>Understand how XSS attacks can be carried out </a:t>
             </a:r>
           </a:p>
           <a:p>
@@ -6621,6 +6656,13 @@
   <p:clrMapOvr>
     <a:masterClrMapping/>
   </p:clrMapOvr>
+  <p:timing>
+    <p:tnLst>
+      <p:par>
+        <p:cTn id="1" dur="indefinite" restart="never" nodeType="tmRoot"/>
+      </p:par>
+    </p:tnLst>
+  </p:timing>
 </p:sld>
 </file>
 
@@ -6996,6 +7038,13 @@
   <p:clrMapOvr>
     <a:masterClrMapping/>
   </p:clrMapOvr>
+  <p:timing>
+    <p:tnLst>
+      <p:par>
+        <p:cTn id="1" dur="indefinite" restart="never" nodeType="tmRoot"/>
+      </p:par>
+    </p:tnLst>
+  </p:timing>
 </p:sld>
 </file>
 
@@ -7173,6 +7222,13 @@
   <p:clrMapOvr>
     <a:masterClrMapping/>
   </p:clrMapOvr>
+  <p:timing>
+    <p:tnLst>
+      <p:par>
+        <p:cTn id="1" dur="indefinite" restart="never" nodeType="tmRoot"/>
+      </p:par>
+    </p:tnLst>
+  </p:timing>
 </p:sld>
 </file>
 
@@ -7373,6 +7429,13 @@
   <p:clrMapOvr>
     <a:masterClrMapping/>
   </p:clrMapOvr>
+  <p:timing>
+    <p:tnLst>
+      <p:par>
+        <p:cTn id="1" dur="indefinite" restart="never" nodeType="tmRoot"/>
+      </p:par>
+    </p:tnLst>
+  </p:timing>
 </p:sld>
 </file>
 
@@ -7497,6 +7560,13 @@
   <p:clrMapOvr>
     <a:masterClrMapping/>
   </p:clrMapOvr>
+  <p:timing>
+    <p:tnLst>
+      <p:par>
+        <p:cTn id="1" dur="indefinite" restart="never" nodeType="tmRoot"/>
+      </p:par>
+    </p:tnLst>
+  </p:timing>
 </p:sld>
 </file>
 
@@ -7672,6 +7742,13 @@
   <p:clrMapOvr>
     <a:masterClrMapping/>
   </p:clrMapOvr>
+  <p:timing>
+    <p:tnLst>
+      <p:par>
+        <p:cTn id="1" dur="indefinite" restart="never" nodeType="tmRoot"/>
+      </p:par>
+    </p:tnLst>
+  </p:timing>
 </p:sld>
 </file>
 
